--- a/以太坊教程/课件/6_1_web3js简介.pptx
+++ b/以太坊教程/课件/6_1_web3js简介.pptx
@@ -216,7 +216,7 @@
           <a:p>
             <a:fld id="{31A2A103-01E9-406E-AEF1-210DF53BAA37}" type="datetimeFigureOut">
               <a:rPr lang="zh-CN" altLang="en-US" smtClean="0"/>
-              <a:t>2018/10/29</a:t>
+              <a:t>2018/11/29</a:t>
             </a:fld>
             <a:endParaRPr lang="zh-CN" altLang="en-US"/>
           </a:p>
@@ -2947,7 +2947,7 @@
           <a:p>
             <a:fld id="{530820CF-B880-4189-942D-D702A7CBA730}" type="datetimeFigureOut">
               <a:rPr lang="zh-CN" altLang="en-US" smtClean="0"/>
-              <a:t>2018/10/29</a:t>
+              <a:t>2018/11/29</a:t>
             </a:fld>
             <a:endParaRPr lang="zh-CN" altLang="en-US"/>
           </a:p>
@@ -3112,7 +3112,7 @@
           <a:p>
             <a:fld id="{530820CF-B880-4189-942D-D702A7CBA730}" type="datetimeFigureOut">
               <a:rPr lang="zh-CN" altLang="en-US" smtClean="0"/>
-              <a:t>2018/10/29</a:t>
+              <a:t>2018/11/29</a:t>
             </a:fld>
             <a:endParaRPr lang="zh-CN" altLang="en-US"/>
           </a:p>
@@ -3287,7 +3287,7 @@
           <a:p>
             <a:fld id="{530820CF-B880-4189-942D-D702A7CBA730}" type="datetimeFigureOut">
               <a:rPr lang="zh-CN" altLang="en-US" smtClean="0"/>
-              <a:t>2018/10/29</a:t>
+              <a:t>2018/11/29</a:t>
             </a:fld>
             <a:endParaRPr lang="zh-CN" altLang="en-US"/>
           </a:p>
@@ -3452,7 +3452,7 @@
           <a:p>
             <a:fld id="{530820CF-B880-4189-942D-D702A7CBA730}" type="datetimeFigureOut">
               <a:rPr lang="zh-CN" altLang="en-US" smtClean="0"/>
-              <a:t>2018/10/29</a:t>
+              <a:t>2018/11/29</a:t>
             </a:fld>
             <a:endParaRPr lang="zh-CN" altLang="en-US"/>
           </a:p>
@@ -3693,7 +3693,7 @@
           <a:p>
             <a:fld id="{530820CF-B880-4189-942D-D702A7CBA730}" type="datetimeFigureOut">
               <a:rPr lang="zh-CN" altLang="en-US" smtClean="0"/>
-              <a:t>2018/10/29</a:t>
+              <a:t>2018/11/29</a:t>
             </a:fld>
             <a:endParaRPr lang="zh-CN" altLang="en-US"/>
           </a:p>
@@ -3976,7 +3976,7 @@
           <a:p>
             <a:fld id="{530820CF-B880-4189-942D-D702A7CBA730}" type="datetimeFigureOut">
               <a:rPr lang="zh-CN" altLang="en-US" smtClean="0"/>
-              <a:t>2018/10/29</a:t>
+              <a:t>2018/11/29</a:t>
             </a:fld>
             <a:endParaRPr lang="zh-CN" altLang="en-US"/>
           </a:p>
@@ -4393,7 +4393,7 @@
           <a:p>
             <a:fld id="{530820CF-B880-4189-942D-D702A7CBA730}" type="datetimeFigureOut">
               <a:rPr lang="zh-CN" altLang="en-US" smtClean="0"/>
-              <a:t>2018/10/29</a:t>
+              <a:t>2018/11/29</a:t>
             </a:fld>
             <a:endParaRPr lang="zh-CN" altLang="en-US"/>
           </a:p>
@@ -4506,7 +4506,7 @@
           <a:p>
             <a:fld id="{530820CF-B880-4189-942D-D702A7CBA730}" type="datetimeFigureOut">
               <a:rPr lang="zh-CN" altLang="en-US" smtClean="0"/>
-              <a:t>2018/10/29</a:t>
+              <a:t>2018/11/29</a:t>
             </a:fld>
             <a:endParaRPr lang="zh-CN" altLang="en-US"/>
           </a:p>
@@ -4596,7 +4596,7 @@
           <a:p>
             <a:fld id="{530820CF-B880-4189-942D-D702A7CBA730}" type="datetimeFigureOut">
               <a:rPr lang="zh-CN" altLang="en-US" smtClean="0"/>
-              <a:t>2018/10/29</a:t>
+              <a:t>2018/11/29</a:t>
             </a:fld>
             <a:endParaRPr lang="zh-CN" altLang="en-US"/>
           </a:p>
@@ -4868,7 +4868,7 @@
           <a:p>
             <a:fld id="{530820CF-B880-4189-942D-D702A7CBA730}" type="datetimeFigureOut">
               <a:rPr lang="zh-CN" altLang="en-US" smtClean="0"/>
-              <a:t>2018/10/29</a:t>
+              <a:t>2018/11/29</a:t>
             </a:fld>
             <a:endParaRPr lang="zh-CN" altLang="en-US"/>
           </a:p>
@@ -5116,7 +5116,7 @@
           <a:p>
             <a:fld id="{530820CF-B880-4189-942D-D702A7CBA730}" type="datetimeFigureOut">
               <a:rPr lang="zh-CN" altLang="en-US" smtClean="0"/>
-              <a:t>2018/10/29</a:t>
+              <a:t>2018/11/29</a:t>
             </a:fld>
             <a:endParaRPr lang="zh-CN" altLang="en-US"/>
           </a:p>
@@ -5176,9 +5176,18 @@
 <p:sldMaster xmlns:a="http://schemas.openxmlformats.org/drawingml/2006/main" xmlns:r="http://schemas.openxmlformats.org/officeDocument/2006/relationships" xmlns:p="http://schemas.openxmlformats.org/presentationml/2006/main">
   <p:cSld>
     <p:bg>
-      <p:bgRef idx="1001">
-        <a:schemeClr val="bg1"/>
-      </p:bgRef>
+      <p:bgPr>
+        <a:blipFill dpi="0" rotWithShape="1">
+          <a:blip r:embed="rId13">
+            <a:lum/>
+          </a:blip>
+          <a:srcRect/>
+          <a:stretch>
+            <a:fillRect/>
+          </a:stretch>
+        </a:blipFill>
+        <a:effectLst/>
+      </p:bgPr>
     </p:bg>
     <p:spTree>
       <p:nvGrpSpPr>
@@ -5324,7 +5333,7 @@
           <a:p>
             <a:fld id="{530820CF-B880-4189-942D-D702A7CBA730}" type="datetimeFigureOut">
               <a:rPr lang="zh-CN" altLang="en-US" smtClean="0"/>
-              <a:t>2018/10/29</a:t>
+              <a:t>2018/11/29</a:t>
             </a:fld>
             <a:endParaRPr lang="zh-CN" altLang="en-US"/>
           </a:p>
@@ -5821,7 +5830,12 @@
             <p:ph type="title"/>
           </p:nvPr>
         </p:nvSpPr>
-        <p:spPr/>
+        <p:spPr>
+          <a:xfrm>
+            <a:off x="457200" y="485800"/>
+            <a:ext cx="8229600" cy="1143000"/>
+          </a:xfrm>
+        </p:spPr>
         <p:txBody>
           <a:bodyPr>
             <a:normAutofit/>
@@ -5830,27 +5844,27 @@
           <a:p>
             <a:pPr algn="l"/>
             <a:r>
-              <a:rPr lang="en-US" altLang="zh-CN">
+              <a:rPr lang="en-US" altLang="zh-CN" sz="3600">
                 <a:latin typeface="微软雅黑 Light" pitchFamily="34" charset="-122"/>
                 <a:ea typeface="微软雅黑 Light" pitchFamily="34" charset="-122"/>
               </a:rPr>
               <a:t> </a:t>
             </a:r>
             <a:r>
-              <a:rPr lang="en-US" altLang="zh-CN" smtClean="0">
+              <a:rPr lang="en-US" altLang="zh-CN" sz="3600" smtClean="0">
                 <a:latin typeface="微软雅黑 Light" pitchFamily="34" charset="-122"/>
                 <a:ea typeface="微软雅黑 Light" pitchFamily="34" charset="-122"/>
               </a:rPr>
               <a:t> </a:t>
             </a:r>
             <a:r>
-              <a:rPr lang="zh-CN" altLang="en-US" smtClean="0">
+              <a:rPr lang="zh-CN" altLang="en-US" sz="3600" smtClean="0">
                 <a:latin typeface="微软雅黑 Light" pitchFamily="34" charset="-122"/>
                 <a:ea typeface="微软雅黑 Light" pitchFamily="34" charset="-122"/>
               </a:rPr>
               <a:t>基本信息查询</a:t>
             </a:r>
-            <a:endParaRPr lang="zh-CN" altLang="en-US" dirty="0">
+            <a:endParaRPr lang="zh-CN" altLang="en-US" sz="3600" dirty="0">
               <a:latin typeface="微软雅黑 Light" pitchFamily="34" charset="-122"/>
               <a:ea typeface="微软雅黑 Light" pitchFamily="34" charset="-122"/>
             </a:endParaRPr>
@@ -5869,7 +5883,7 @@
         </p:nvSpPr>
         <p:spPr>
           <a:xfrm>
-            <a:off x="457200" y="1340768"/>
+            <a:off x="457200" y="1196752"/>
             <a:ext cx="8435280" cy="5256584"/>
           </a:xfrm>
         </p:spPr>
@@ -6086,41 +6100,48 @@
             <p:ph type="title"/>
           </p:nvPr>
         </p:nvSpPr>
-        <p:spPr/>
-        <p:txBody>
-          <a:bodyPr/>
+        <p:spPr>
+          <a:xfrm>
+            <a:off x="457200" y="485800"/>
+            <a:ext cx="8229600" cy="1143000"/>
+          </a:xfrm>
+        </p:spPr>
+        <p:txBody>
+          <a:bodyPr>
+            <a:normAutofit/>
+          </a:bodyPr>
           <a:lstStyle/>
           <a:p>
             <a:pPr algn="l"/>
             <a:r>
-              <a:rPr lang="en-US" altLang="zh-CN">
+              <a:rPr lang="en-US" altLang="zh-CN" sz="3600">
                 <a:latin typeface="微软雅黑 Light" pitchFamily="34" charset="-122"/>
                 <a:ea typeface="微软雅黑 Light" pitchFamily="34" charset="-122"/>
               </a:rPr>
               <a:t> </a:t>
             </a:r>
             <a:r>
-              <a:rPr lang="en-US" altLang="zh-CN" smtClean="0">
+              <a:rPr lang="en-US" altLang="zh-CN" sz="3600" smtClean="0">
                 <a:latin typeface="微软雅黑 Light" pitchFamily="34" charset="-122"/>
                 <a:ea typeface="微软雅黑 Light" pitchFamily="34" charset="-122"/>
               </a:rPr>
               <a:t> </a:t>
             </a:r>
             <a:r>
-              <a:rPr lang="zh-CN" altLang="en-US">
+              <a:rPr lang="zh-CN" altLang="en-US" sz="3600">
                 <a:latin typeface="微软雅黑 Light" pitchFamily="34" charset="-122"/>
                 <a:ea typeface="微软雅黑 Light" pitchFamily="34" charset="-122"/>
               </a:rPr>
               <a:t>网络</a:t>
             </a:r>
             <a:r>
-              <a:rPr lang="zh-CN" altLang="en-US" smtClean="0">
+              <a:rPr lang="zh-CN" altLang="en-US" sz="3600" smtClean="0">
                 <a:latin typeface="微软雅黑 Light" pitchFamily="34" charset="-122"/>
                 <a:ea typeface="微软雅黑 Light" pitchFamily="34" charset="-122"/>
               </a:rPr>
               <a:t>状态查询</a:t>
             </a:r>
-            <a:endParaRPr lang="zh-CN" altLang="en-US" dirty="0">
+            <a:endParaRPr lang="zh-CN" altLang="en-US" sz="3600" dirty="0">
               <a:latin typeface="微软雅黑 Light" pitchFamily="34" charset="-122"/>
               <a:ea typeface="微软雅黑 Light" pitchFamily="34" charset="-122"/>
             </a:endParaRPr>
@@ -6139,7 +6160,7 @@
         </p:nvSpPr>
         <p:spPr>
           <a:xfrm>
-            <a:off x="457200" y="1340768"/>
+            <a:off x="457200" y="1268760"/>
             <a:ext cx="8579296" cy="5256584"/>
           </a:xfrm>
         </p:spPr>
@@ -6381,27 +6402,34 @@
             <p:ph type="title"/>
           </p:nvPr>
         </p:nvSpPr>
-        <p:spPr/>
-        <p:txBody>
-          <a:bodyPr/>
+        <p:spPr>
+          <a:xfrm>
+            <a:off x="457200" y="485800"/>
+            <a:ext cx="8229600" cy="1143000"/>
+          </a:xfrm>
+        </p:spPr>
+        <p:txBody>
+          <a:bodyPr>
+            <a:normAutofit/>
+          </a:bodyPr>
           <a:lstStyle/>
           <a:p>
             <a:pPr algn="l"/>
             <a:r>
-              <a:rPr lang="en-US" altLang="zh-CN">
+              <a:rPr lang="en-US" altLang="zh-CN" sz="3600">
                 <a:latin typeface="微软雅黑 Light" pitchFamily="34" charset="-122"/>
                 <a:ea typeface="微软雅黑 Light" pitchFamily="34" charset="-122"/>
               </a:rPr>
               <a:t> </a:t>
             </a:r>
             <a:r>
-              <a:rPr lang="en-US" altLang="zh-CN" smtClean="0">
+              <a:rPr lang="en-US" altLang="zh-CN" sz="3600" smtClean="0">
                 <a:latin typeface="微软雅黑 Light" pitchFamily="34" charset="-122"/>
                 <a:ea typeface="微软雅黑 Light" pitchFamily="34" charset="-122"/>
               </a:rPr>
               <a:t> Provider</a:t>
             </a:r>
-            <a:endParaRPr lang="zh-CN" altLang="en-US" dirty="0">
+            <a:endParaRPr lang="zh-CN" altLang="en-US" sz="3600" dirty="0">
               <a:latin typeface="微软雅黑 Light" pitchFamily="34" charset="-122"/>
               <a:ea typeface="微软雅黑 Light" pitchFamily="34" charset="-122"/>
             </a:endParaRPr>
@@ -6605,27 +6633,34 @@
             <p:ph type="title"/>
           </p:nvPr>
         </p:nvSpPr>
-        <p:spPr/>
-        <p:txBody>
-          <a:bodyPr/>
+        <p:spPr>
+          <a:xfrm>
+            <a:off x="457200" y="485800"/>
+            <a:ext cx="8229600" cy="1143000"/>
+          </a:xfrm>
+        </p:spPr>
+        <p:txBody>
+          <a:bodyPr>
+            <a:normAutofit/>
+          </a:bodyPr>
           <a:lstStyle/>
           <a:p>
             <a:pPr algn="l"/>
             <a:r>
-              <a:rPr lang="en-US" altLang="zh-CN" smtClean="0">
+              <a:rPr lang="en-US" altLang="zh-CN" sz="3600" smtClean="0">
                 <a:latin typeface="微软雅黑 Light" pitchFamily="34" charset="-122"/>
                 <a:ea typeface="微软雅黑 Light" pitchFamily="34" charset="-122"/>
               </a:rPr>
               <a:t>  web3 </a:t>
             </a:r>
             <a:r>
-              <a:rPr lang="zh-CN" altLang="en-US" smtClean="0">
+              <a:rPr lang="zh-CN" altLang="en-US" sz="3600" smtClean="0">
                 <a:latin typeface="微软雅黑 Light" pitchFamily="34" charset="-122"/>
                 <a:ea typeface="微软雅黑 Light" pitchFamily="34" charset="-122"/>
               </a:rPr>
               <a:t>通用工具方法</a:t>
             </a:r>
-            <a:endParaRPr lang="zh-CN" altLang="en-US" dirty="0">
+            <a:endParaRPr lang="zh-CN" altLang="en-US" sz="3600" dirty="0">
               <a:latin typeface="微软雅黑 Light" pitchFamily="34" charset="-122"/>
               <a:ea typeface="微软雅黑 Light" pitchFamily="34" charset="-122"/>
             </a:endParaRPr>
@@ -6816,27 +6851,34 @@
             <p:ph type="title"/>
           </p:nvPr>
         </p:nvSpPr>
-        <p:spPr/>
-        <p:txBody>
-          <a:bodyPr/>
+        <p:spPr>
+          <a:xfrm>
+            <a:off x="457200" y="485800"/>
+            <a:ext cx="8229600" cy="1143000"/>
+          </a:xfrm>
+        </p:spPr>
+        <p:txBody>
+          <a:bodyPr>
+            <a:normAutofit/>
+          </a:bodyPr>
           <a:lstStyle/>
           <a:p>
             <a:pPr algn="l"/>
             <a:r>
-              <a:rPr lang="en-US" altLang="zh-CN" smtClean="0">
+              <a:rPr lang="en-US" altLang="zh-CN" sz="3600" smtClean="0">
                 <a:latin typeface="微软雅黑 Light" pitchFamily="34" charset="-122"/>
                 <a:ea typeface="微软雅黑 Light" pitchFamily="34" charset="-122"/>
               </a:rPr>
               <a:t>  web3.eth – </a:t>
             </a:r>
             <a:r>
-              <a:rPr lang="zh-CN" altLang="en-US" smtClean="0">
+              <a:rPr lang="zh-CN" altLang="en-US" sz="3600" smtClean="0">
                 <a:latin typeface="微软雅黑 Light" pitchFamily="34" charset="-122"/>
                 <a:ea typeface="微软雅黑 Light" pitchFamily="34" charset="-122"/>
               </a:rPr>
               <a:t>账户相关</a:t>
             </a:r>
-            <a:endParaRPr lang="zh-CN" altLang="en-US" dirty="0">
+            <a:endParaRPr lang="zh-CN" altLang="en-US" sz="3600" dirty="0">
               <a:latin typeface="微软雅黑 Light" pitchFamily="34" charset="-122"/>
               <a:ea typeface="微软雅黑 Light" pitchFamily="34" charset="-122"/>
             </a:endParaRPr>
@@ -7065,27 +7107,34 @@
             <p:ph type="title"/>
           </p:nvPr>
         </p:nvSpPr>
-        <p:spPr/>
-        <p:txBody>
-          <a:bodyPr/>
+        <p:spPr>
+          <a:xfrm>
+            <a:off x="457200" y="485800"/>
+            <a:ext cx="8229600" cy="1143000"/>
+          </a:xfrm>
+        </p:spPr>
+        <p:txBody>
+          <a:bodyPr>
+            <a:normAutofit/>
+          </a:bodyPr>
           <a:lstStyle/>
           <a:p>
             <a:pPr algn="l"/>
             <a:r>
-              <a:rPr lang="en-US" altLang="zh-CN" smtClean="0">
+              <a:rPr lang="en-US" altLang="zh-CN" sz="3600" smtClean="0">
                 <a:latin typeface="微软雅黑 Light" pitchFamily="34" charset="-122"/>
                 <a:ea typeface="微软雅黑 Light" pitchFamily="34" charset="-122"/>
               </a:rPr>
               <a:t>  </a:t>
             </a:r>
             <a:r>
-              <a:rPr lang="zh-CN" altLang="en-US" smtClean="0">
+              <a:rPr lang="zh-CN" altLang="en-US" sz="3600" smtClean="0">
                 <a:latin typeface="微软雅黑 Light" pitchFamily="34" charset="-122"/>
                 <a:ea typeface="微软雅黑 Light" pitchFamily="34" charset="-122"/>
               </a:rPr>
               <a:t>区块相关</a:t>
             </a:r>
-            <a:endParaRPr lang="zh-CN" altLang="en-US" dirty="0">
+            <a:endParaRPr lang="zh-CN" altLang="en-US" sz="3600" dirty="0">
               <a:latin typeface="微软雅黑 Light" pitchFamily="34" charset="-122"/>
               <a:ea typeface="微软雅黑 Light" pitchFamily="34" charset="-122"/>
             </a:endParaRPr>
@@ -7288,27 +7337,34 @@
             <p:ph type="title"/>
           </p:nvPr>
         </p:nvSpPr>
-        <p:spPr/>
-        <p:txBody>
-          <a:bodyPr/>
+        <p:spPr>
+          <a:xfrm>
+            <a:off x="457200" y="485800"/>
+            <a:ext cx="8229600" cy="1143000"/>
+          </a:xfrm>
+        </p:spPr>
+        <p:txBody>
+          <a:bodyPr>
+            <a:normAutofit/>
+          </a:bodyPr>
           <a:lstStyle/>
           <a:p>
             <a:pPr algn="l"/>
             <a:r>
-              <a:rPr lang="en-US" altLang="zh-CN" smtClean="0">
+              <a:rPr lang="en-US" altLang="zh-CN" sz="3600" smtClean="0">
                 <a:latin typeface="微软雅黑 Light" pitchFamily="34" charset="-122"/>
                 <a:ea typeface="微软雅黑 Light" pitchFamily="34" charset="-122"/>
               </a:rPr>
               <a:t>  </a:t>
             </a:r>
             <a:r>
-              <a:rPr lang="zh-CN" altLang="en-US" smtClean="0">
+              <a:rPr lang="zh-CN" altLang="en-US" sz="3600" smtClean="0">
                 <a:latin typeface="微软雅黑 Light" pitchFamily="34" charset="-122"/>
                 <a:ea typeface="微软雅黑 Light" pitchFamily="34" charset="-122"/>
               </a:rPr>
               <a:t>区块相关</a:t>
             </a:r>
-            <a:endParaRPr lang="zh-CN" altLang="en-US" dirty="0">
+            <a:endParaRPr lang="zh-CN" altLang="en-US" sz="3600" dirty="0">
               <a:latin typeface="微软雅黑 Light" pitchFamily="34" charset="-122"/>
               <a:ea typeface="微软雅黑 Light" pitchFamily="34" charset="-122"/>
             </a:endParaRPr>
@@ -7546,27 +7602,34 @@
             <p:ph type="title"/>
           </p:nvPr>
         </p:nvSpPr>
-        <p:spPr/>
-        <p:txBody>
-          <a:bodyPr/>
+        <p:spPr>
+          <a:xfrm>
+            <a:off x="457200" y="485800"/>
+            <a:ext cx="8229600" cy="1143000"/>
+          </a:xfrm>
+        </p:spPr>
+        <p:txBody>
+          <a:bodyPr>
+            <a:normAutofit/>
+          </a:bodyPr>
           <a:lstStyle/>
           <a:p>
             <a:pPr algn="l"/>
             <a:r>
-              <a:rPr lang="en-US" altLang="zh-CN" smtClean="0">
+              <a:rPr lang="en-US" altLang="zh-CN" sz="3600" smtClean="0">
                 <a:latin typeface="微软雅黑 Light" pitchFamily="34" charset="-122"/>
                 <a:ea typeface="微软雅黑 Light" pitchFamily="34" charset="-122"/>
               </a:rPr>
               <a:t>  </a:t>
             </a:r>
             <a:r>
-              <a:rPr lang="zh-CN" altLang="en-US" smtClean="0">
+              <a:rPr lang="zh-CN" altLang="en-US" sz="3600" smtClean="0">
                 <a:latin typeface="微软雅黑 Light" pitchFamily="34" charset="-122"/>
                 <a:ea typeface="微软雅黑 Light" pitchFamily="34" charset="-122"/>
               </a:rPr>
               <a:t>交易相关</a:t>
             </a:r>
-            <a:endParaRPr lang="zh-CN" altLang="en-US" dirty="0">
+            <a:endParaRPr lang="zh-CN" altLang="en-US" sz="3600" dirty="0">
               <a:latin typeface="微软雅黑 Light" pitchFamily="34" charset="-122"/>
               <a:ea typeface="微软雅黑 Light" pitchFamily="34" charset="-122"/>
             </a:endParaRPr>
@@ -7820,7 +7883,12 @@
             <p:ph type="title"/>
           </p:nvPr>
         </p:nvSpPr>
-        <p:spPr/>
+        <p:spPr>
+          <a:xfrm>
+            <a:off x="457200" y="404664"/>
+            <a:ext cx="8229600" cy="1143000"/>
+          </a:xfrm>
+        </p:spPr>
         <p:txBody>
           <a:bodyPr>
             <a:normAutofit/>
@@ -7829,20 +7897,20 @@
           <a:p>
             <a:pPr algn="l"/>
             <a:r>
-              <a:rPr lang="en-US" altLang="zh-CN" smtClean="0">
+              <a:rPr lang="en-US" altLang="zh-CN" sz="3600" smtClean="0">
                 <a:latin typeface="微软雅黑 Light" pitchFamily="34" charset="-122"/>
                 <a:ea typeface="微软雅黑 Light" pitchFamily="34" charset="-122"/>
               </a:rPr>
               <a:t>  </a:t>
             </a:r>
             <a:r>
-              <a:rPr lang="zh-CN" altLang="en-US" smtClean="0">
+              <a:rPr lang="zh-CN" altLang="en-US" sz="3600" smtClean="0">
                 <a:latin typeface="微软雅黑 Light" pitchFamily="34" charset="-122"/>
                 <a:ea typeface="微软雅黑 Light" pitchFamily="34" charset="-122"/>
               </a:rPr>
               <a:t>交易执行相关</a:t>
             </a:r>
-            <a:endParaRPr lang="zh-CN" altLang="en-US" dirty="0">
+            <a:endParaRPr lang="zh-CN" altLang="en-US" sz="3600" dirty="0">
               <a:latin typeface="微软雅黑 Light" pitchFamily="34" charset="-122"/>
               <a:ea typeface="微软雅黑 Light" pitchFamily="34" charset="-122"/>
             </a:endParaRPr>
@@ -8080,27 +8148,34 @@
             <p:ph type="title"/>
           </p:nvPr>
         </p:nvSpPr>
-        <p:spPr/>
-        <p:txBody>
-          <a:bodyPr/>
+        <p:spPr>
+          <a:xfrm>
+            <a:off x="457200" y="485800"/>
+            <a:ext cx="8229600" cy="1143000"/>
+          </a:xfrm>
+        </p:spPr>
+        <p:txBody>
+          <a:bodyPr>
+            <a:normAutofit/>
+          </a:bodyPr>
           <a:lstStyle/>
           <a:p>
             <a:pPr algn="l"/>
             <a:r>
-              <a:rPr lang="en-US" altLang="zh-CN" smtClean="0">
+              <a:rPr lang="en-US" altLang="zh-CN" sz="3600" smtClean="0">
                 <a:latin typeface="微软雅黑 Light" pitchFamily="34" charset="-122"/>
                 <a:ea typeface="微软雅黑 Light" pitchFamily="34" charset="-122"/>
               </a:rPr>
               <a:t>  </a:t>
             </a:r>
             <a:r>
-              <a:rPr lang="zh-CN" altLang="en-US" smtClean="0">
+              <a:rPr lang="zh-CN" altLang="en-US" sz="3600" smtClean="0">
                 <a:latin typeface="微软雅黑 Light" pitchFamily="34" charset="-122"/>
                 <a:ea typeface="微软雅黑 Light" pitchFamily="34" charset="-122"/>
               </a:rPr>
               <a:t>发送交易</a:t>
             </a:r>
-            <a:endParaRPr lang="zh-CN" altLang="en-US" dirty="0">
+            <a:endParaRPr lang="zh-CN" altLang="en-US" sz="3600" dirty="0">
               <a:latin typeface="微软雅黑 Light" pitchFamily="34" charset="-122"/>
               <a:ea typeface="微软雅黑 Light" pitchFamily="34" charset="-122"/>
             </a:endParaRPr>
@@ -8388,20 +8463,27 @@
             <p:ph type="title"/>
           </p:nvPr>
         </p:nvSpPr>
-        <p:spPr/>
-        <p:txBody>
-          <a:bodyPr/>
+        <p:spPr>
+          <a:xfrm>
+            <a:off x="457200" y="485800"/>
+            <a:ext cx="8229600" cy="1143000"/>
+          </a:xfrm>
+        </p:spPr>
+        <p:txBody>
+          <a:bodyPr>
+            <a:normAutofit/>
+          </a:bodyPr>
           <a:lstStyle/>
           <a:p>
             <a:pPr algn="l"/>
             <a:r>
-              <a:rPr lang="en-US" altLang="zh-CN" smtClean="0">
+              <a:rPr lang="en-US" altLang="zh-CN" sz="3600" smtClean="0">
                 <a:latin typeface="微软雅黑 Light" pitchFamily="34" charset="-122"/>
                 <a:ea typeface="微软雅黑 Light" pitchFamily="34" charset="-122"/>
               </a:rPr>
               <a:t>  web3.js</a:t>
             </a:r>
-            <a:endParaRPr lang="zh-CN" altLang="en-US" dirty="0">
+            <a:endParaRPr lang="zh-CN" altLang="en-US" sz="3600" dirty="0">
               <a:latin typeface="微软雅黑 Light" pitchFamily="34" charset="-122"/>
               <a:ea typeface="微软雅黑 Light" pitchFamily="34" charset="-122"/>
             </a:endParaRPr>
@@ -8705,34 +8787,41 @@
             <p:ph type="title"/>
           </p:nvPr>
         </p:nvSpPr>
-        <p:spPr/>
-        <p:txBody>
-          <a:bodyPr/>
+        <p:spPr>
+          <a:xfrm>
+            <a:off x="457200" y="485800"/>
+            <a:ext cx="8229600" cy="1143000"/>
+          </a:xfrm>
+        </p:spPr>
+        <p:txBody>
+          <a:bodyPr>
+            <a:normAutofit/>
+          </a:bodyPr>
           <a:lstStyle/>
           <a:p>
             <a:pPr algn="l"/>
             <a:r>
-              <a:rPr lang="en-US" altLang="zh-CN" smtClean="0">
+              <a:rPr lang="en-US" altLang="zh-CN" sz="3600" smtClean="0">
                 <a:latin typeface="微软雅黑 Light" pitchFamily="34" charset="-122"/>
                 <a:ea typeface="微软雅黑 Light" pitchFamily="34" charset="-122"/>
               </a:rPr>
               <a:t> </a:t>
             </a:r>
             <a:r>
-              <a:rPr lang="en-US" altLang="zh-CN">
+              <a:rPr lang="en-US" altLang="zh-CN" sz="3600">
                 <a:latin typeface="微软雅黑 Light" pitchFamily="34" charset="-122"/>
                 <a:ea typeface="微软雅黑 Light" pitchFamily="34" charset="-122"/>
               </a:rPr>
               <a:t> </a:t>
             </a:r>
             <a:r>
-              <a:rPr lang="zh-CN" altLang="en-US" smtClean="0">
+              <a:rPr lang="zh-CN" altLang="en-US" sz="3600" smtClean="0">
                 <a:latin typeface="微软雅黑 Light" pitchFamily="34" charset="-122"/>
                 <a:ea typeface="微软雅黑 Light" pitchFamily="34" charset="-122"/>
               </a:rPr>
               <a:t>消息调用</a:t>
             </a:r>
-            <a:endParaRPr lang="zh-CN" altLang="en-US" dirty="0">
+            <a:endParaRPr lang="zh-CN" altLang="en-US" sz="3600" dirty="0">
               <a:latin typeface="微软雅黑 Light" pitchFamily="34" charset="-122"/>
               <a:ea typeface="微软雅黑 Light" pitchFamily="34" charset="-122"/>
             </a:endParaRPr>
@@ -9055,27 +9144,34 @@
             <p:ph type="title"/>
           </p:nvPr>
         </p:nvSpPr>
-        <p:spPr/>
-        <p:txBody>
-          <a:bodyPr/>
+        <p:spPr>
+          <a:xfrm>
+            <a:off x="457200" y="485800"/>
+            <a:ext cx="8229600" cy="1143000"/>
+          </a:xfrm>
+        </p:spPr>
+        <p:txBody>
+          <a:bodyPr>
+            <a:normAutofit/>
+          </a:bodyPr>
           <a:lstStyle/>
           <a:p>
             <a:pPr algn="l"/>
             <a:r>
-              <a:rPr lang="en-US" altLang="zh-CN" smtClean="0">
+              <a:rPr lang="en-US" altLang="zh-CN" sz="3600" smtClean="0">
                 <a:latin typeface="微软雅黑 Light" pitchFamily="34" charset="-122"/>
                 <a:ea typeface="微软雅黑 Light" pitchFamily="34" charset="-122"/>
               </a:rPr>
               <a:t>  </a:t>
             </a:r>
             <a:r>
-              <a:rPr lang="zh-CN" altLang="en-US" smtClean="0">
+              <a:rPr lang="zh-CN" altLang="en-US" sz="3600" smtClean="0">
                 <a:latin typeface="微软雅黑 Light" pitchFamily="34" charset="-122"/>
                 <a:ea typeface="微软雅黑 Light" pitchFamily="34" charset="-122"/>
               </a:rPr>
               <a:t>日志过滤（事件监听）</a:t>
             </a:r>
-            <a:endParaRPr lang="zh-CN" altLang="en-US" dirty="0">
+            <a:endParaRPr lang="zh-CN" altLang="en-US" sz="3600" dirty="0">
               <a:latin typeface="微软雅黑 Light" pitchFamily="34" charset="-122"/>
               <a:ea typeface="微软雅黑 Light" pitchFamily="34" charset="-122"/>
             </a:endParaRPr>
@@ -9627,41 +9723,48 @@
             <p:ph type="title"/>
           </p:nvPr>
         </p:nvSpPr>
-        <p:spPr/>
-        <p:txBody>
-          <a:bodyPr/>
+        <p:spPr>
+          <a:xfrm>
+            <a:off x="457200" y="485800"/>
+            <a:ext cx="8229600" cy="1143000"/>
+          </a:xfrm>
+        </p:spPr>
+        <p:txBody>
+          <a:bodyPr>
+            <a:normAutofit/>
+          </a:bodyPr>
           <a:lstStyle/>
           <a:p>
             <a:pPr algn="l"/>
             <a:r>
-              <a:rPr lang="en-US" altLang="zh-CN" smtClean="0">
+              <a:rPr lang="en-US" altLang="zh-CN" sz="3600" smtClean="0">
                 <a:latin typeface="微软雅黑 Light" pitchFamily="34" charset="-122"/>
                 <a:ea typeface="微软雅黑 Light" pitchFamily="34" charset="-122"/>
               </a:rPr>
               <a:t>  </a:t>
             </a:r>
             <a:r>
-              <a:rPr lang="zh-CN" altLang="en-US" smtClean="0">
+              <a:rPr lang="zh-CN" altLang="en-US" sz="3600" smtClean="0">
                 <a:latin typeface="微软雅黑 Light" pitchFamily="34" charset="-122"/>
                 <a:ea typeface="微软雅黑 Light" pitchFamily="34" charset="-122"/>
               </a:rPr>
               <a:t>合约相关 </a:t>
             </a:r>
             <a:r>
-              <a:rPr lang="en-US" altLang="zh-CN" smtClean="0">
+              <a:rPr lang="en-US" altLang="zh-CN" sz="3600" smtClean="0">
                 <a:latin typeface="微软雅黑 Light" pitchFamily="34" charset="-122"/>
                 <a:ea typeface="微软雅黑 Light" pitchFamily="34" charset="-122"/>
               </a:rPr>
               <a:t>—— </a:t>
             </a:r>
             <a:r>
-              <a:rPr lang="zh-CN" altLang="en-US" smtClean="0">
+              <a:rPr lang="zh-CN" altLang="en-US" sz="3600" smtClean="0">
                 <a:latin typeface="微软雅黑 Light" pitchFamily="34" charset="-122"/>
                 <a:ea typeface="微软雅黑 Light" pitchFamily="34" charset="-122"/>
               </a:rPr>
               <a:t>创建合约</a:t>
             </a:r>
-            <a:endParaRPr lang="zh-CN" altLang="en-US" dirty="0">
+            <a:endParaRPr lang="zh-CN" altLang="en-US" sz="3600" dirty="0">
               <a:latin typeface="微软雅黑 Light" pitchFamily="34" charset="-122"/>
               <a:ea typeface="微软雅黑 Light" pitchFamily="34" charset="-122"/>
             </a:endParaRPr>
@@ -10013,34 +10116,41 @@
             <p:ph type="title"/>
           </p:nvPr>
         </p:nvSpPr>
-        <p:spPr/>
-        <p:txBody>
-          <a:bodyPr/>
+        <p:spPr>
+          <a:xfrm>
+            <a:off x="457200" y="413792"/>
+            <a:ext cx="8229600" cy="1143000"/>
+          </a:xfrm>
+        </p:spPr>
+        <p:txBody>
+          <a:bodyPr>
+            <a:normAutofit/>
+          </a:bodyPr>
           <a:lstStyle/>
           <a:p>
             <a:pPr algn="l"/>
             <a:r>
-              <a:rPr lang="en-US" altLang="zh-CN" smtClean="0">
+              <a:rPr lang="en-US" altLang="zh-CN" sz="3600" smtClean="0">
                 <a:latin typeface="微软雅黑 Light" pitchFamily="34" charset="-122"/>
                 <a:ea typeface="微软雅黑 Light" pitchFamily="34" charset="-122"/>
               </a:rPr>
               <a:t>  </a:t>
             </a:r>
             <a:r>
-              <a:rPr lang="zh-CN" altLang="en-US">
+              <a:rPr lang="zh-CN" altLang="en-US" sz="3600">
                 <a:latin typeface="微软雅黑 Light" pitchFamily="34" charset="-122"/>
                 <a:ea typeface="微软雅黑 Light" pitchFamily="34" charset="-122"/>
               </a:rPr>
               <a:t>调用</a:t>
             </a:r>
             <a:r>
-              <a:rPr lang="zh-CN" altLang="en-US" smtClean="0">
+              <a:rPr lang="zh-CN" altLang="en-US" sz="3600" smtClean="0">
                 <a:latin typeface="微软雅黑 Light" pitchFamily="34" charset="-122"/>
                 <a:ea typeface="微软雅黑 Light" pitchFamily="34" charset="-122"/>
               </a:rPr>
               <a:t>合约函数</a:t>
             </a:r>
-            <a:endParaRPr lang="zh-CN" altLang="en-US" dirty="0">
+            <a:endParaRPr lang="zh-CN" altLang="en-US" sz="3600" dirty="0">
               <a:latin typeface="微软雅黑 Light" pitchFamily="34" charset="-122"/>
               <a:ea typeface="微软雅黑 Light" pitchFamily="34" charset="-122"/>
             </a:endParaRPr>
@@ -10499,34 +10609,41 @@
             <p:ph type="title"/>
           </p:nvPr>
         </p:nvSpPr>
-        <p:spPr/>
-        <p:txBody>
-          <a:bodyPr/>
+        <p:spPr>
+          <a:xfrm>
+            <a:off x="457200" y="413792"/>
+            <a:ext cx="8229600" cy="1143000"/>
+          </a:xfrm>
+        </p:spPr>
+        <p:txBody>
+          <a:bodyPr>
+            <a:normAutofit/>
+          </a:bodyPr>
           <a:lstStyle/>
           <a:p>
             <a:pPr algn="l"/>
             <a:r>
-              <a:rPr lang="en-US" altLang="zh-CN" smtClean="0">
+              <a:rPr lang="en-US" altLang="zh-CN" sz="3600" smtClean="0">
                 <a:latin typeface="微软雅黑 Light" pitchFamily="34" charset="-122"/>
                 <a:ea typeface="微软雅黑 Light" pitchFamily="34" charset="-122"/>
               </a:rPr>
               <a:t>  </a:t>
             </a:r>
             <a:r>
-              <a:rPr lang="zh-CN" altLang="en-US">
+              <a:rPr lang="zh-CN" altLang="en-US" sz="3600">
                 <a:latin typeface="微软雅黑 Light" pitchFamily="34" charset="-122"/>
                 <a:ea typeface="微软雅黑 Light" pitchFamily="34" charset="-122"/>
               </a:rPr>
               <a:t>监听</a:t>
             </a:r>
             <a:r>
-              <a:rPr lang="zh-CN" altLang="en-US" smtClean="0">
+              <a:rPr lang="zh-CN" altLang="en-US" sz="3600" smtClean="0">
                 <a:latin typeface="微软雅黑 Light" pitchFamily="34" charset="-122"/>
                 <a:ea typeface="微软雅黑 Light" pitchFamily="34" charset="-122"/>
               </a:rPr>
               <a:t>合约事件</a:t>
             </a:r>
-            <a:endParaRPr lang="zh-CN" altLang="en-US" dirty="0">
+            <a:endParaRPr lang="zh-CN" altLang="en-US" sz="3600" dirty="0">
               <a:latin typeface="微软雅黑 Light" pitchFamily="34" charset="-122"/>
               <a:ea typeface="微软雅黑 Light" pitchFamily="34" charset="-122"/>
             </a:endParaRPr>
@@ -11107,27 +11224,34 @@
             <p:ph type="title"/>
           </p:nvPr>
         </p:nvSpPr>
-        <p:spPr/>
-        <p:txBody>
-          <a:bodyPr/>
+        <p:spPr>
+          <a:xfrm>
+            <a:off x="457200" y="413792"/>
+            <a:ext cx="8229600" cy="1143000"/>
+          </a:xfrm>
+        </p:spPr>
+        <p:txBody>
+          <a:bodyPr>
+            <a:normAutofit/>
+          </a:bodyPr>
           <a:lstStyle/>
           <a:p>
             <a:pPr algn="l"/>
             <a:r>
-              <a:rPr lang="en-US" altLang="zh-CN" smtClean="0">
+              <a:rPr lang="en-US" altLang="zh-CN" sz="3600" smtClean="0">
                 <a:latin typeface="微软雅黑 Light" pitchFamily="34" charset="-122"/>
                 <a:ea typeface="微软雅黑 Light" pitchFamily="34" charset="-122"/>
               </a:rPr>
               <a:t>  web3 </a:t>
             </a:r>
             <a:r>
-              <a:rPr lang="zh-CN" altLang="en-US" smtClean="0">
+              <a:rPr lang="zh-CN" altLang="en-US" sz="3600" smtClean="0">
                 <a:latin typeface="微软雅黑 Light" pitchFamily="34" charset="-122"/>
                 <a:ea typeface="微软雅黑 Light" pitchFamily="34" charset="-122"/>
               </a:rPr>
               <a:t>模块加载</a:t>
             </a:r>
-            <a:endParaRPr lang="zh-CN" altLang="en-US" dirty="0">
+            <a:endParaRPr lang="zh-CN" altLang="en-US" sz="3600" dirty="0">
               <a:latin typeface="微软雅黑 Light" pitchFamily="34" charset="-122"/>
               <a:ea typeface="微软雅黑 Light" pitchFamily="34" charset="-122"/>
             </a:endParaRPr>
@@ -11573,48 +11697,55 @@
             <p:ph type="title"/>
           </p:nvPr>
         </p:nvSpPr>
-        <p:spPr/>
-        <p:txBody>
-          <a:bodyPr/>
+        <p:spPr>
+          <a:xfrm>
+            <a:off x="457200" y="413792"/>
+            <a:ext cx="8229600" cy="1143000"/>
+          </a:xfrm>
+        </p:spPr>
+        <p:txBody>
+          <a:bodyPr>
+            <a:normAutofit/>
+          </a:bodyPr>
           <a:lstStyle/>
           <a:p>
             <a:pPr algn="l"/>
             <a:r>
-              <a:rPr lang="en-US" altLang="zh-CN" smtClean="0">
+              <a:rPr lang="en-US" altLang="zh-CN" sz="3600" smtClean="0">
                 <a:latin typeface="微软雅黑 Light" pitchFamily="34" charset="-122"/>
                 <a:ea typeface="微软雅黑 Light" pitchFamily="34" charset="-122"/>
               </a:rPr>
               <a:t>  </a:t>
             </a:r>
             <a:r>
-              <a:rPr lang="zh-CN" altLang="en-US">
+              <a:rPr lang="zh-CN" altLang="en-US" sz="3600">
                 <a:latin typeface="微软雅黑 Light" pitchFamily="34" charset="-122"/>
                 <a:ea typeface="微软雅黑 Light" pitchFamily="34" charset="-122"/>
               </a:rPr>
               <a:t>异步</a:t>
             </a:r>
             <a:r>
-              <a:rPr lang="zh-CN" altLang="en-US" smtClean="0">
+              <a:rPr lang="zh-CN" altLang="en-US" sz="3600" smtClean="0">
                 <a:latin typeface="微软雅黑 Light" pitchFamily="34" charset="-122"/>
                 <a:ea typeface="微软雅黑 Light" pitchFamily="34" charset="-122"/>
               </a:rPr>
               <a:t>回调（</a:t>
             </a:r>
             <a:r>
-              <a:rPr lang="en-US" altLang="zh-CN" smtClean="0">
+              <a:rPr lang="en-US" altLang="zh-CN" sz="3600" smtClean="0">
                 <a:latin typeface="微软雅黑 Light" pitchFamily="34" charset="-122"/>
                 <a:ea typeface="微软雅黑 Light" pitchFamily="34" charset="-122"/>
               </a:rPr>
               <a:t>callback</a:t>
             </a:r>
             <a:r>
-              <a:rPr lang="zh-CN" altLang="en-US" smtClean="0">
+              <a:rPr lang="zh-CN" altLang="en-US" sz="3600" smtClean="0">
                 <a:latin typeface="微软雅黑 Light" pitchFamily="34" charset="-122"/>
                 <a:ea typeface="微软雅黑 Light" pitchFamily="34" charset="-122"/>
               </a:rPr>
               <a:t>）</a:t>
             </a:r>
-            <a:endParaRPr lang="zh-CN" altLang="en-US" dirty="0">
+            <a:endParaRPr lang="zh-CN" altLang="en-US" sz="3600" dirty="0">
               <a:latin typeface="微软雅黑 Light" pitchFamily="34" charset="-122"/>
               <a:ea typeface="微软雅黑 Light" pitchFamily="34" charset="-122"/>
             </a:endParaRPr>
@@ -11871,55 +12002,62 @@
             <p:ph type="title"/>
           </p:nvPr>
         </p:nvSpPr>
-        <p:spPr/>
-        <p:txBody>
-          <a:bodyPr/>
+        <p:spPr>
+          <a:xfrm>
+            <a:off x="457200" y="413792"/>
+            <a:ext cx="8229600" cy="1143000"/>
+          </a:xfrm>
+        </p:spPr>
+        <p:txBody>
+          <a:bodyPr>
+            <a:normAutofit/>
+          </a:bodyPr>
           <a:lstStyle/>
           <a:p>
             <a:pPr algn="l"/>
             <a:r>
-              <a:rPr lang="en-US" altLang="zh-CN" smtClean="0">
+              <a:rPr lang="en-US" altLang="zh-CN" sz="3600" smtClean="0">
                 <a:latin typeface="微软雅黑 Light" pitchFamily="34" charset="-122"/>
                 <a:ea typeface="微软雅黑 Light" pitchFamily="34" charset="-122"/>
               </a:rPr>
               <a:t>  </a:t>
             </a:r>
             <a:r>
-              <a:rPr lang="zh-CN" altLang="en-US" smtClean="0">
+              <a:rPr lang="zh-CN" altLang="en-US" sz="3600" smtClean="0">
                 <a:latin typeface="微软雅黑 Light" pitchFamily="34" charset="-122"/>
                 <a:ea typeface="微软雅黑 Light" pitchFamily="34" charset="-122"/>
               </a:rPr>
               <a:t>回调 </a:t>
             </a:r>
             <a:r>
-              <a:rPr lang="en-US" altLang="zh-CN" smtClean="0">
+              <a:rPr lang="en-US" altLang="zh-CN" sz="3600" smtClean="0">
                 <a:latin typeface="微软雅黑 Light" pitchFamily="34" charset="-122"/>
                 <a:ea typeface="微软雅黑 Light" pitchFamily="34" charset="-122"/>
               </a:rPr>
               <a:t>Promise </a:t>
             </a:r>
             <a:r>
-              <a:rPr lang="zh-CN" altLang="en-US" smtClean="0">
+              <a:rPr lang="zh-CN" altLang="en-US" sz="3600" smtClean="0">
                 <a:latin typeface="微软雅黑 Light" pitchFamily="34" charset="-122"/>
                 <a:ea typeface="微软雅黑 Light" pitchFamily="34" charset="-122"/>
               </a:rPr>
               <a:t>事件（</a:t>
             </a:r>
             <a:r>
-              <a:rPr lang="en-US" altLang="zh-CN" smtClean="0">
+              <a:rPr lang="en-US" altLang="zh-CN" sz="3600" smtClean="0">
                 <a:latin typeface="微软雅黑 Light" pitchFamily="34" charset="-122"/>
                 <a:ea typeface="微软雅黑 Light" pitchFamily="34" charset="-122"/>
               </a:rPr>
               <a:t>v1.0.0</a:t>
             </a:r>
             <a:r>
-              <a:rPr lang="zh-CN" altLang="en-US" smtClean="0">
+              <a:rPr lang="zh-CN" altLang="en-US" sz="3600" smtClean="0">
                 <a:latin typeface="微软雅黑 Light" pitchFamily="34" charset="-122"/>
                 <a:ea typeface="微软雅黑 Light" pitchFamily="34" charset="-122"/>
               </a:rPr>
               <a:t>）</a:t>
             </a:r>
-            <a:endParaRPr lang="zh-CN" altLang="en-US" dirty="0">
+            <a:endParaRPr lang="zh-CN" altLang="en-US" sz="3600" dirty="0">
               <a:latin typeface="微软雅黑 Light" pitchFamily="34" charset="-122"/>
               <a:ea typeface="微软雅黑 Light" pitchFamily="34" charset="-122"/>
             </a:endParaRPr>
@@ -11938,7 +12076,7 @@
         </p:nvSpPr>
         <p:spPr>
           <a:xfrm>
-            <a:off x="457200" y="1340768"/>
+            <a:off x="457200" y="1268760"/>
             <a:ext cx="8229600" cy="5256584"/>
           </a:xfrm>
         </p:spPr>
@@ -12371,41 +12509,48 @@
             <p:ph type="title"/>
           </p:nvPr>
         </p:nvSpPr>
-        <p:spPr/>
-        <p:txBody>
-          <a:bodyPr/>
+        <p:spPr>
+          <a:xfrm>
+            <a:off x="457200" y="413792"/>
+            <a:ext cx="8229600" cy="1143000"/>
+          </a:xfrm>
+        </p:spPr>
+        <p:txBody>
+          <a:bodyPr>
+            <a:normAutofit/>
+          </a:bodyPr>
           <a:lstStyle/>
           <a:p>
             <a:pPr algn="l"/>
             <a:r>
-              <a:rPr lang="en-US" altLang="zh-CN" smtClean="0">
+              <a:rPr lang="en-US" altLang="zh-CN" sz="3600" smtClean="0">
                 <a:latin typeface="微软雅黑 Light" pitchFamily="34" charset="-122"/>
                 <a:ea typeface="微软雅黑 Light" pitchFamily="34" charset="-122"/>
               </a:rPr>
               <a:t>  </a:t>
             </a:r>
             <a:r>
-              <a:rPr lang="zh-CN" altLang="en-US" smtClean="0">
+              <a:rPr lang="zh-CN" altLang="en-US" sz="3600" smtClean="0">
                 <a:latin typeface="微软雅黑 Light" pitchFamily="34" charset="-122"/>
                 <a:ea typeface="微软雅黑 Light" pitchFamily="34" charset="-122"/>
               </a:rPr>
               <a:t>应用二进制接口（</a:t>
             </a:r>
             <a:r>
-              <a:rPr lang="en-US" altLang="zh-CN" smtClean="0">
+              <a:rPr lang="en-US" altLang="zh-CN" sz="3600" smtClean="0">
                 <a:latin typeface="微软雅黑 Light" pitchFamily="34" charset="-122"/>
                 <a:ea typeface="微软雅黑 Light" pitchFamily="34" charset="-122"/>
               </a:rPr>
               <a:t>ABI</a:t>
             </a:r>
             <a:r>
-              <a:rPr lang="zh-CN" altLang="en-US" smtClean="0">
+              <a:rPr lang="zh-CN" altLang="en-US" sz="3600" smtClean="0">
                 <a:latin typeface="微软雅黑 Light" pitchFamily="34" charset="-122"/>
                 <a:ea typeface="微软雅黑 Light" pitchFamily="34" charset="-122"/>
               </a:rPr>
               <a:t>）</a:t>
             </a:r>
-            <a:endParaRPr lang="zh-CN" altLang="en-US" dirty="0">
+            <a:endParaRPr lang="zh-CN" altLang="en-US" sz="3600" dirty="0">
               <a:latin typeface="微软雅黑 Light" pitchFamily="34" charset="-122"/>
               <a:ea typeface="微软雅黑 Light" pitchFamily="34" charset="-122"/>
             </a:endParaRPr>
@@ -12424,7 +12569,7 @@
         </p:nvSpPr>
         <p:spPr>
           <a:xfrm>
-            <a:off x="457200" y="1340768"/>
+            <a:off x="457200" y="1203444"/>
             <a:ext cx="8229600" cy="5256584"/>
           </a:xfrm>
         </p:spPr>
@@ -12706,41 +12851,48 @@
             <p:ph type="title"/>
           </p:nvPr>
         </p:nvSpPr>
-        <p:spPr/>
-        <p:txBody>
-          <a:bodyPr/>
+        <p:spPr>
+          <a:xfrm>
+            <a:off x="457200" y="413792"/>
+            <a:ext cx="8229600" cy="1143000"/>
+          </a:xfrm>
+        </p:spPr>
+        <p:txBody>
+          <a:bodyPr>
+            <a:normAutofit/>
+          </a:bodyPr>
           <a:lstStyle/>
           <a:p>
             <a:pPr algn="l"/>
             <a:r>
-              <a:rPr lang="en-US" altLang="zh-CN" smtClean="0">
+              <a:rPr lang="en-US" altLang="zh-CN" sz="3600" smtClean="0">
                 <a:latin typeface="微软雅黑 Light" pitchFamily="34" charset="-122"/>
                 <a:ea typeface="微软雅黑 Light" pitchFamily="34" charset="-122"/>
               </a:rPr>
               <a:t>  </a:t>
             </a:r>
             <a:r>
-              <a:rPr lang="zh-CN" altLang="en-US" smtClean="0">
+              <a:rPr lang="zh-CN" altLang="en-US" sz="3600" smtClean="0">
                 <a:latin typeface="微软雅黑 Light" pitchFamily="34" charset="-122"/>
                 <a:ea typeface="微软雅黑 Light" pitchFamily="34" charset="-122"/>
               </a:rPr>
               <a:t>批处理请求（</a:t>
             </a:r>
             <a:r>
-              <a:rPr lang="en-US" altLang="zh-CN" smtClean="0">
+              <a:rPr lang="en-US" altLang="zh-CN" sz="3600" smtClean="0">
                 <a:latin typeface="微软雅黑 Light" pitchFamily="34" charset="-122"/>
                 <a:ea typeface="微软雅黑 Light" pitchFamily="34" charset="-122"/>
               </a:rPr>
               <a:t>batch requests</a:t>
             </a:r>
             <a:r>
-              <a:rPr lang="zh-CN" altLang="en-US" smtClean="0">
+              <a:rPr lang="zh-CN" altLang="en-US" sz="3600" smtClean="0">
                 <a:latin typeface="微软雅黑 Light" pitchFamily="34" charset="-122"/>
                 <a:ea typeface="微软雅黑 Light" pitchFamily="34" charset="-122"/>
               </a:rPr>
               <a:t>）</a:t>
             </a:r>
-            <a:endParaRPr lang="zh-CN" altLang="en-US" dirty="0">
+            <a:endParaRPr lang="zh-CN" altLang="en-US" sz="3600" dirty="0">
               <a:latin typeface="微软雅黑 Light" pitchFamily="34" charset="-122"/>
               <a:ea typeface="微软雅黑 Light" pitchFamily="34" charset="-122"/>
             </a:endParaRPr>
@@ -12939,41 +13091,48 @@
             <p:ph type="title"/>
           </p:nvPr>
         </p:nvSpPr>
-        <p:spPr/>
-        <p:txBody>
-          <a:bodyPr/>
+        <p:spPr>
+          <a:xfrm>
+            <a:off x="457200" y="413792"/>
+            <a:ext cx="8229600" cy="1143000"/>
+          </a:xfrm>
+        </p:spPr>
+        <p:txBody>
+          <a:bodyPr>
+            <a:normAutofit/>
+          </a:bodyPr>
           <a:lstStyle/>
           <a:p>
             <a:pPr algn="l"/>
             <a:r>
-              <a:rPr lang="en-US" altLang="zh-CN" smtClean="0">
+              <a:rPr lang="en-US" altLang="zh-CN" sz="3600" smtClean="0">
                 <a:latin typeface="微软雅黑 Light" pitchFamily="34" charset="-122"/>
                 <a:ea typeface="微软雅黑 Light" pitchFamily="34" charset="-122"/>
               </a:rPr>
               <a:t>  </a:t>
             </a:r>
             <a:r>
-              <a:rPr lang="zh-CN" altLang="en-US" smtClean="0">
+              <a:rPr lang="zh-CN" altLang="en-US" sz="3600" smtClean="0">
                 <a:latin typeface="微软雅黑 Light" pitchFamily="34" charset="-122"/>
                 <a:ea typeface="微软雅黑 Light" pitchFamily="34" charset="-122"/>
               </a:rPr>
               <a:t>大数处理（</a:t>
             </a:r>
             <a:r>
-              <a:rPr lang="en-US" altLang="zh-CN" smtClean="0">
+              <a:rPr lang="en-US" altLang="zh-CN" sz="3600" smtClean="0">
                 <a:latin typeface="微软雅黑 Light" pitchFamily="34" charset="-122"/>
                 <a:ea typeface="微软雅黑 Light" pitchFamily="34" charset="-122"/>
               </a:rPr>
               <a:t>big numbers</a:t>
             </a:r>
             <a:r>
-              <a:rPr lang="zh-CN" altLang="en-US" smtClean="0">
+              <a:rPr lang="zh-CN" altLang="en-US" sz="3600" smtClean="0">
                 <a:latin typeface="微软雅黑 Light" pitchFamily="34" charset="-122"/>
                 <a:ea typeface="微软雅黑 Light" pitchFamily="34" charset="-122"/>
               </a:rPr>
               <a:t>）</a:t>
             </a:r>
-            <a:endParaRPr lang="zh-CN" altLang="en-US" dirty="0">
+            <a:endParaRPr lang="zh-CN" altLang="en-US" sz="3600" dirty="0">
               <a:latin typeface="微软雅黑 Light" pitchFamily="34" charset="-122"/>
               <a:ea typeface="微软雅黑 Light" pitchFamily="34" charset="-122"/>
             </a:endParaRPr>
@@ -13270,7 +13429,12 @@
             <p:ph type="title"/>
           </p:nvPr>
         </p:nvSpPr>
-        <p:spPr/>
+        <p:spPr>
+          <a:xfrm>
+            <a:off x="457200" y="485800"/>
+            <a:ext cx="8229600" cy="1143000"/>
+          </a:xfrm>
+        </p:spPr>
         <p:txBody>
           <a:bodyPr>
             <a:normAutofit/>
@@ -13279,41 +13443,41 @@
           <a:p>
             <a:pPr algn="l"/>
             <a:r>
-              <a:rPr lang="en-US" altLang="zh-CN">
+              <a:rPr lang="en-US" altLang="zh-CN" sz="3600">
                 <a:latin typeface="微软雅黑 Light" pitchFamily="34" charset="-122"/>
                 <a:ea typeface="微软雅黑 Light" pitchFamily="34" charset="-122"/>
               </a:rPr>
               <a:t> </a:t>
             </a:r>
             <a:r>
-              <a:rPr lang="en-US" altLang="zh-CN" smtClean="0">
+              <a:rPr lang="en-US" altLang="zh-CN" sz="3600" smtClean="0">
                 <a:latin typeface="微软雅黑 Light" pitchFamily="34" charset="-122"/>
                 <a:ea typeface="微软雅黑 Light" pitchFamily="34" charset="-122"/>
               </a:rPr>
               <a:t> </a:t>
             </a:r>
             <a:r>
-              <a:rPr lang="zh-CN" altLang="en-US" smtClean="0">
+              <a:rPr lang="zh-CN" altLang="en-US" sz="3600" smtClean="0">
                 <a:latin typeface="微软雅黑 Light" pitchFamily="34" charset="-122"/>
                 <a:ea typeface="微软雅黑 Light" pitchFamily="34" charset="-122"/>
               </a:rPr>
               <a:t>常用 </a:t>
             </a:r>
             <a:r>
-              <a:rPr lang="en-US" altLang="zh-CN" smtClean="0">
+              <a:rPr lang="en-US" altLang="zh-CN" sz="3600" smtClean="0">
                 <a:latin typeface="微软雅黑 Light" pitchFamily="34" charset="-122"/>
                 <a:ea typeface="微软雅黑 Light" pitchFamily="34" charset="-122"/>
               </a:rPr>
               <a:t>API —— </a:t>
             </a:r>
             <a:r>
-              <a:rPr lang="zh-CN" altLang="en-US" smtClean="0">
+              <a:rPr lang="zh-CN" altLang="en-US" sz="3600" smtClean="0">
                 <a:latin typeface="微软雅黑 Light" pitchFamily="34" charset="-122"/>
                 <a:ea typeface="微软雅黑 Light" pitchFamily="34" charset="-122"/>
               </a:rPr>
               <a:t>基本信息查询</a:t>
             </a:r>
-            <a:endParaRPr lang="zh-CN" altLang="en-US" dirty="0">
+            <a:endParaRPr lang="zh-CN" altLang="en-US" sz="3600" dirty="0">
               <a:latin typeface="微软雅黑 Light" pitchFamily="34" charset="-122"/>
               <a:ea typeface="微软雅黑 Light" pitchFamily="34" charset="-122"/>
             </a:endParaRPr>
